--- a/NHSDC RMarkdown.pptx
+++ b/NHSDC RMarkdown.pptx
@@ -233,7 +233,7 @@
           <a:p>
             <a:fld id="{98785B88-5A74-8146-B62B-724301130AAD}" type="datetimeFigureOut">
               <a:rPr lang="en-US" smtClean="0"/>
-              <a:t>9/12/2019</a:t>
+              <a:t>10/12/2019</a:t>
             </a:fld>
             <a:endParaRPr lang="en-US"/>
           </a:p>
@@ -399,7 +399,7 @@
           <a:p>
             <a:fld id="{D46AA611-57C1-EC4F-96BA-FD6DCC6DD98E}" type="datetimeFigureOut">
               <a:rPr lang="en-US" smtClean="0"/>
-              <a:t>9/12/2019</a:t>
+              <a:t>10/12/2019</a:t>
             </a:fld>
             <a:endParaRPr lang="en-US"/>
           </a:p>
@@ -463,38 +463,37 @@
           <a:p>
             <a:pPr lvl="0"/>
             <a:r>
-              <a:rPr lang="en-US" smtClean="0"/>
+              <a:rPr lang="en-US"/>
               <a:t>Click to edit Master text styles</a:t>
             </a:r>
           </a:p>
           <a:p>
             <a:pPr lvl="1"/>
             <a:r>
-              <a:rPr lang="en-US" smtClean="0"/>
+              <a:rPr lang="en-US"/>
               <a:t>Second level</a:t>
             </a:r>
           </a:p>
           <a:p>
             <a:pPr lvl="2"/>
             <a:r>
-              <a:rPr lang="en-US" smtClean="0"/>
+              <a:rPr lang="en-US"/>
               <a:t>Third level</a:t>
             </a:r>
           </a:p>
           <a:p>
             <a:pPr lvl="3"/>
             <a:r>
-              <a:rPr lang="en-US" smtClean="0"/>
+              <a:rPr lang="en-US"/>
               <a:t>Fourth level</a:t>
             </a:r>
           </a:p>
           <a:p>
             <a:pPr lvl="4"/>
             <a:r>
-              <a:rPr lang="en-US" smtClean="0"/>
+              <a:rPr lang="en-US"/>
               <a:t>Fifth level</a:t>
             </a:r>
-            <a:endParaRPr lang="en-US"/>
           </a:p>
         </p:txBody>
       </p:sp>
@@ -716,7 +715,6 @@
               <a:buNone/>
             </a:pPr>
             <a:r>
-              <a:rPr/>
               <a:t>raw data = unfiltered unformatted data straight from your HMIS that you (the data analyst) cannot alter from within the system.</a:t>
             </a:r>
           </a:p>
@@ -806,7 +804,7 @@
               <a:buNone/>
             </a:pPr>
             <a:r>
-              <a:rPr/>
+              <a:rPr dirty="0"/>
               <a:t>talk about it in general, we can’t get to 100% go through the four icons version control: Word -&gt; Track Changes, Google docs -&gt; versioning, git -&gt; steep learning curve but worth it</a:t>
             </a:r>
           </a:p>
@@ -896,7 +894,6 @@
               <a:buNone/>
             </a:pPr>
             <a:r>
-              <a:rPr/>
               <a:t>The HUD CSV Export specs are great documentation of your data source. Also you can’t edit the export from within HMIS (also good!).</a:t>
             </a:r>
           </a:p>
@@ -986,7 +983,6 @@
               <a:buNone/>
             </a:pPr>
             <a:r>
-              <a:rPr/>
               <a:t>What does a programmer look like? Can programmers ALSO be good at people?</a:t>
             </a:r>
           </a:p>
@@ -1001,7 +997,6 @@
               <a:buNone/>
             </a:pPr>
             <a:r>
-              <a:rPr/>
               <a:t>You are most likely, in SOME way, already programming. It might look different, but all the concepts are there. You know your data. You know how you want to see it.</a:t>
             </a:r>
           </a:p>
@@ -1091,7 +1086,6 @@
               <a:buNone/>
             </a:pPr>
             <a:r>
-              <a:rPr/>
               <a:t>should be about 15 minutes. the plan is to open a fresh .Rmd file in R Studio, point out the structure of it, run it, make some quick edits to make it look better, rerun to see changes.</a:t>
             </a:r>
           </a:p>
@@ -1181,7 +1175,6 @@
               <a:buNone/>
             </a:pPr>
             <a:r>
-              <a:rPr/>
               <a:t>(We should welcome this kind of interest and be prepared to respond with integrity.)</a:t>
             </a:r>
           </a:p>
@@ -1302,10 +1295,9 @@
           </a:lstStyle>
           <a:p>
             <a:r>
-              <a:rPr lang="en-US" dirty="0" smtClean="0"/>
+              <a:rPr lang="en-US" dirty="0"/>
               <a:t>Click to edit Master title style</a:t>
             </a:r>
-            <a:endParaRPr lang="en-US" dirty="0"/>
           </a:p>
         </p:txBody>
       </p:sp>
@@ -1423,10 +1415,9 @@
           </a:lstStyle>
           <a:p>
             <a:r>
-              <a:rPr lang="en-US" dirty="0" smtClean="0"/>
+              <a:rPr lang="en-US" dirty="0"/>
               <a:t>Click to edit Master subtitle style</a:t>
             </a:r>
-            <a:endParaRPr lang="en-US" dirty="0"/>
           </a:p>
         </p:txBody>
       </p:sp>
@@ -1562,10 +1553,9 @@
           </a:lstStyle>
           <a:p>
             <a:r>
-              <a:rPr lang="en-US" dirty="0" smtClean="0"/>
+              <a:rPr lang="en-US" dirty="0"/>
               <a:t>Click to edit Master title style</a:t>
             </a:r>
-            <a:endParaRPr lang="en-US" dirty="0"/>
           </a:p>
         </p:txBody>
       </p:sp>
@@ -1626,35 +1616,35 @@
           <a:p>
             <a:pPr lvl="0"/>
             <a:r>
-              <a:rPr lang="en-US" dirty="0" smtClean="0"/>
+              <a:rPr lang="en-US" dirty="0"/>
               <a:t>Click to edit Master text styles</a:t>
             </a:r>
           </a:p>
           <a:p>
             <a:pPr lvl="1"/>
             <a:r>
-              <a:rPr lang="en-US" dirty="0" smtClean="0"/>
+              <a:rPr lang="en-US" dirty="0"/>
               <a:t>Second level		</a:t>
             </a:r>
           </a:p>
           <a:p>
             <a:pPr lvl="2"/>
             <a:r>
-              <a:rPr lang="en-US" dirty="0" smtClean="0"/>
+              <a:rPr lang="en-US" dirty="0"/>
               <a:t>Third level</a:t>
             </a:r>
           </a:p>
           <a:p>
             <a:pPr lvl="3"/>
             <a:r>
-              <a:rPr lang="en-US" dirty="0" smtClean="0"/>
+              <a:rPr lang="en-US" dirty="0"/>
               <a:t>Fourth level</a:t>
             </a:r>
           </a:p>
           <a:p>
             <a:pPr lvl="4"/>
             <a:r>
-              <a:rPr lang="en-US" dirty="0" smtClean="0"/>
+              <a:rPr lang="en-US" dirty="0"/>
               <a:t>Fifth level</a:t>
             </a:r>
           </a:p>
@@ -1809,10 +1799,9 @@
           </a:lstStyle>
           <a:p>
             <a:r>
-              <a:rPr lang="en-US" dirty="0" smtClean="0"/>
+              <a:rPr lang="en-US" dirty="0"/>
               <a:t>Click to edit Master title style</a:t>
             </a:r>
-            <a:endParaRPr lang="en-US" dirty="0"/>
           </a:p>
         </p:txBody>
       </p:sp>
@@ -1873,35 +1862,35 @@
           <a:p>
             <a:pPr lvl="0"/>
             <a:r>
-              <a:rPr lang="en-US" dirty="0" smtClean="0"/>
+              <a:rPr lang="en-US" dirty="0"/>
               <a:t>Click to edit Master text styles</a:t>
             </a:r>
           </a:p>
           <a:p>
             <a:pPr lvl="1"/>
             <a:r>
-              <a:rPr lang="en-US" dirty="0" smtClean="0"/>
+              <a:rPr lang="en-US" dirty="0"/>
               <a:t>Second level		</a:t>
             </a:r>
           </a:p>
           <a:p>
             <a:pPr lvl="2"/>
             <a:r>
-              <a:rPr lang="en-US" dirty="0" smtClean="0"/>
+              <a:rPr lang="en-US" dirty="0"/>
               <a:t>Third level</a:t>
             </a:r>
           </a:p>
           <a:p>
             <a:pPr lvl="3"/>
             <a:r>
-              <a:rPr lang="en-US" dirty="0" smtClean="0"/>
+              <a:rPr lang="en-US" dirty="0"/>
               <a:t>Fourth level</a:t>
             </a:r>
           </a:p>
           <a:p>
             <a:pPr lvl="4"/>
             <a:r>
-              <a:rPr lang="en-US" dirty="0" smtClean="0"/>
+              <a:rPr lang="en-US" dirty="0"/>
               <a:t>Fifth level</a:t>
             </a:r>
           </a:p>
@@ -1964,35 +1953,35 @@
           <a:p>
             <a:pPr lvl="0"/>
             <a:r>
-              <a:rPr lang="en-US" dirty="0" smtClean="0"/>
+              <a:rPr lang="en-US" dirty="0"/>
               <a:t>Click to edit Master text styles</a:t>
             </a:r>
           </a:p>
           <a:p>
             <a:pPr lvl="1"/>
             <a:r>
-              <a:rPr lang="en-US" dirty="0" smtClean="0"/>
+              <a:rPr lang="en-US" dirty="0"/>
               <a:t>Second level		</a:t>
             </a:r>
           </a:p>
           <a:p>
             <a:pPr lvl="2"/>
             <a:r>
-              <a:rPr lang="en-US" dirty="0" smtClean="0"/>
+              <a:rPr lang="en-US" dirty="0"/>
               <a:t>Third level</a:t>
             </a:r>
           </a:p>
           <a:p>
             <a:pPr lvl="3"/>
             <a:r>
-              <a:rPr lang="en-US" dirty="0" smtClean="0"/>
+              <a:rPr lang="en-US" dirty="0"/>
               <a:t>Fourth level</a:t>
             </a:r>
           </a:p>
           <a:p>
             <a:pPr lvl="4"/>
             <a:r>
-              <a:rPr lang="en-US" dirty="0" smtClean="0"/>
+              <a:rPr lang="en-US" dirty="0"/>
               <a:t>Fifth level</a:t>
             </a:r>
           </a:p>
@@ -2059,10 +2048,9 @@
           <a:lstStyle/>
           <a:p>
             <a:r>
-              <a:rPr lang="en-US" smtClean="0"/>
+              <a:rPr lang="en-US"/>
               <a:t>Click to edit Master title style</a:t>
             </a:r>
-            <a:endParaRPr lang="en-US"/>
           </a:p>
         </p:txBody>
       </p:sp>
@@ -2093,38 +2081,37 @@
           <a:p>
             <a:pPr lvl="0"/>
             <a:r>
-              <a:rPr lang="en-US" dirty="0" smtClean="0"/>
+              <a:rPr lang="en-US" dirty="0"/>
               <a:t>Click to edit Master text styles</a:t>
             </a:r>
           </a:p>
           <a:p>
             <a:pPr lvl="1"/>
             <a:r>
-              <a:rPr lang="en-US" dirty="0" smtClean="0"/>
+              <a:rPr lang="en-US" dirty="0"/>
               <a:t>Second level</a:t>
             </a:r>
           </a:p>
           <a:p>
             <a:pPr lvl="2"/>
             <a:r>
-              <a:rPr lang="en-US" dirty="0" smtClean="0"/>
+              <a:rPr lang="en-US" dirty="0"/>
               <a:t>Third level</a:t>
             </a:r>
           </a:p>
           <a:p>
             <a:pPr lvl="3"/>
             <a:r>
-              <a:rPr lang="en-US" dirty="0" smtClean="0"/>
+              <a:rPr lang="en-US" dirty="0"/>
               <a:t>Fourth level</a:t>
             </a:r>
           </a:p>
           <a:p>
             <a:pPr lvl="4"/>
             <a:r>
-              <a:rPr lang="en-US" dirty="0" smtClean="0"/>
+              <a:rPr lang="en-US" dirty="0"/>
               <a:t>Fifth level</a:t>
             </a:r>
-            <a:endParaRPr lang="en-US" dirty="0"/>
           </a:p>
         </p:txBody>
       </p:sp>
@@ -2576,44 +2563,28 @@
           </a:bodyPr>
           <a:lstStyle/>
           <a:p>
-            <a:r>
-              <a:rPr dirty="0"/>
-              <a:t/>
-            </a:r>
             <a:br>
               <a:rPr dirty="0"/>
             </a:br>
-            <a:r>
-              <a:rPr dirty="0"/>
-              <a:t/>
-            </a:r>
             <a:br>
               <a:rPr dirty="0"/>
             </a:br>
             <a:r>
               <a:rPr dirty="0"/>
-              <a:t>Genelle </a:t>
-            </a:r>
-            <a:r>
-              <a:rPr dirty="0" smtClean="0"/>
-              <a:t>Denzin</a:t>
-            </a:r>
-            <a:endParaRPr lang="en-US" dirty="0" smtClean="0"/>
-          </a:p>
-          <a:p>
-            <a:r>
-              <a:rPr lang="en-US" dirty="0" smtClean="0"/>
+              <a:t>Genelle Denzin</a:t>
+            </a:r>
+            <a:endParaRPr lang="en-US" dirty="0"/>
+          </a:p>
+          <a:p>
+            <a:r>
+              <a:rPr lang="en-US" dirty="0"/>
               <a:t>October 2019</a:t>
             </a:r>
           </a:p>
           <a:p>
             <a:r>
-              <a:rPr dirty="0" smtClean="0"/>
-              <a:t>Coalition </a:t>
-            </a:r>
-            <a:r>
               <a:rPr dirty="0"/>
-              <a:t>on Homelessness and Housing in Ohio (COHHIO)</a:t>
+              <a:t>Coalition on Homelessness and Housing in Ohio (COHHIO)</a:t>
             </a:r>
           </a:p>
         </p:txBody>
@@ -2664,7 +2635,6 @@
           <a:lstStyle/>
           <a:p>
             <a:r>
-              <a:rPr/>
               <a:t>What is Markdown</a:t>
             </a:r>
           </a:p>
@@ -2702,13 +2672,8 @@
             <a:pPr lvl="1"/>
             <a:r>
               <a:rPr dirty="0"/>
-              <a:t>simple intuitive </a:t>
-            </a:r>
-            <a:r>
-              <a:rPr dirty="0" smtClean="0"/>
-              <a:t>formatting</a:t>
-            </a:r>
-            <a:endParaRPr dirty="0"/>
+              <a:t>simple intuitive formatting</a:t>
+            </a:r>
           </a:p>
           <a:p>
             <a:pPr lvl="1"/>
@@ -2778,7 +2743,6 @@
           <a:lstStyle/>
           <a:p>
             <a:r>
-              <a:rPr/>
               <a:t>What is R Markdown</a:t>
             </a:r>
           </a:p>
@@ -2801,28 +2765,24 @@
           <a:p>
             <a:pPr lvl="1"/>
             <a:r>
-              <a:rPr/>
               <a:t>allows you to include R code in a markdown document (or SQL, or python and others)</a:t>
             </a:r>
           </a:p>
           <a:p>
             <a:pPr lvl="1"/>
             <a:r>
-              <a:rPr/>
               <a:t>the R code is evaluated in the processing of the markdown file</a:t>
             </a:r>
           </a:p>
           <a:p>
             <a:pPr lvl="1"/>
             <a:r>
-              <a:rPr/>
               <a:t>results from the code are displayed in the final markdown document</a:t>
             </a:r>
           </a:p>
           <a:p>
             <a:pPr lvl="1"/>
             <a:r>
-              <a:rPr/>
               <a:t>can handle parameters</a:t>
             </a:r>
           </a:p>
@@ -2976,7 +2936,6 @@
           <a:lstStyle/>
           <a:p>
             <a:r>
-              <a:rPr/>
               <a:t>What R Markdown Can Create</a:t>
             </a:r>
           </a:p>
@@ -2999,42 +2958,36 @@
           <a:p>
             <a:pPr lvl="1"/>
             <a:r>
-              <a:rPr/>
               <a:t>HTML, pdf, Word, and PowerPoint documents</a:t>
             </a:r>
           </a:p>
           <a:p>
             <a:pPr lvl="1"/>
             <a:r>
-              <a:rPr/>
               <a:t>interactive documents</a:t>
             </a:r>
           </a:p>
           <a:p>
             <a:pPr lvl="1"/>
             <a:r>
-              <a:rPr/>
               <a:t>slide decks (not PowerPoint)</a:t>
             </a:r>
           </a:p>
           <a:p>
             <a:pPr lvl="1"/>
             <a:r>
-              <a:rPr/>
               <a:t>websites, articles, and blogs</a:t>
             </a:r>
           </a:p>
           <a:p>
             <a:pPr lvl="1"/>
             <a:r>
-              <a:rPr/>
               <a:t>books</a:t>
             </a:r>
           </a:p>
           <a:p>
             <a:pPr lvl="1"/>
             <a:r>
-              <a:rPr/>
               <a:t>see the </a:t>
             </a:r>
             <a:r>
@@ -3094,7 +3047,6 @@
           <a:lstStyle/>
           <a:p>
             <a:r>
-              <a:rPr/>
               <a:t>How Does R Markdown Get Us to Reproducibility?</a:t>
             </a:r>
           </a:p>
@@ -3176,7 +3128,6 @@
           <a:lstStyle/>
           <a:p>
             <a:r>
-              <a:rPr/>
               <a:t>A Note about “Coding” and “Programming”</a:t>
             </a:r>
           </a:p>
@@ -3293,7 +3244,6 @@
           <a:lstStyle/>
           <a:p>
             <a:r>
-              <a:rPr/>
               <a:t>Let’s Create an Analysis in R Markdown</a:t>
             </a:r>
           </a:p>
@@ -3375,7 +3325,6 @@
           <a:lstStyle/>
           <a:p>
             <a:r>
-              <a:rPr/>
               <a:t>Why Move Toward a Reproducible Workflow?</a:t>
             </a:r>
           </a:p>
@@ -3398,28 +3347,24 @@
           <a:p>
             <a:pPr lvl="1"/>
             <a:r>
-              <a:rPr/>
               <a:t>Easier to find and correct errors</a:t>
             </a:r>
           </a:p>
           <a:p>
             <a:pPr lvl="1"/>
             <a:r>
-              <a:rPr/>
               <a:t>Helps you create comparison data later</a:t>
             </a:r>
           </a:p>
           <a:p>
             <a:pPr lvl="1"/>
             <a:r>
-              <a:rPr/>
               <a:t>Helps others to check your logic, which helps validate your work</a:t>
             </a:r>
           </a:p>
           <a:p>
             <a:pPr lvl="1"/>
             <a:r>
-              <a:rPr/>
               <a:t>Whether or not our data is ever questioned, we should always be prepared to back up our numbers.</a:t>
             </a:r>
           </a:p>
@@ -3508,7 +3453,6 @@
           <a:lstStyle/>
           <a:p>
             <a:r>
-              <a:rPr/>
               <a:t>The R Community</a:t>
             </a:r>
           </a:p>
@@ -3588,7 +3532,6 @@
           <a:lstStyle/>
           <a:p>
             <a:r>
-              <a:rPr/>
               <a:t>Disclaimer</a:t>
             </a:r>
           </a:p>
@@ -3619,23 +3562,15 @@
             <a:pPr lvl="1"/>
             <a:r>
               <a:rPr dirty="0"/>
-              <a:t>I am part of a </a:t>
-            </a:r>
-            <a:r>
-              <a:rPr dirty="0" smtClean="0"/>
-              <a:t>3</a:t>
-            </a:r>
-            <a:r>
-              <a:rPr lang="en-US" dirty="0" smtClean="0"/>
+              <a:t>I am part of a 3</a:t>
+            </a:r>
+            <a:r>
+              <a:rPr lang="en-US" dirty="0"/>
               <a:t>½ </a:t>
             </a:r>
             <a:r>
-              <a:rPr dirty="0" smtClean="0"/>
-              <a:t>person </a:t>
-            </a:r>
-            <a:r>
               <a:rPr dirty="0"/>
-              <a:t>HMIS team.</a:t>
+              <a:t>person HMIS team.</a:t>
             </a:r>
           </a:p>
         </p:txBody>
@@ -3691,7 +3626,7 @@
           <a:lstStyle/>
           <a:p>
             <a:r>
-              <a:rPr lang="en-US" dirty="0" smtClean="0"/>
+              <a:rPr lang="en-US" dirty="0"/>
               <a:t>Intro</a:t>
             </a:r>
             <a:endParaRPr dirty="0"/>
@@ -3967,7 +3902,7 @@
               <a:buNone/>
             </a:pPr>
             <a:r>
-              <a:rPr lang="en-US" sz="1400" b="1" dirty="0" smtClean="0"/>
+              <a:rPr lang="en-US" sz="1400" b="1" dirty="0"/>
               <a:t>Ohio Balance of State CoC</a:t>
             </a:r>
           </a:p>
@@ -3977,7 +3912,7 @@
               <a:buNone/>
             </a:pPr>
             <a:r>
-              <a:rPr lang="en-US" sz="1200" dirty="0" smtClean="0"/>
+              <a:rPr lang="en-US" sz="1200" dirty="0"/>
               <a:t>CoC Director: Erica Mulryan</a:t>
             </a:r>
           </a:p>
@@ -3986,7 +3921,7 @@
               <a:buFont typeface="Arial"/>
               <a:buNone/>
             </a:pPr>
-            <a:endParaRPr lang="en-US" sz="1600" b="1" dirty="0" smtClean="0"/>
+            <a:endParaRPr lang="en-US" sz="1600" b="1" dirty="0"/>
           </a:p>
           <a:p>
             <a:pPr marL="0" indent="0">
@@ -3994,7 +3929,7 @@
               <a:buNone/>
             </a:pPr>
             <a:r>
-              <a:rPr lang="en-US" sz="1400" b="1" dirty="0" smtClean="0"/>
+              <a:rPr lang="en-US" sz="1400" b="1" dirty="0"/>
               <a:t>Youngstown CoC</a:t>
             </a:r>
           </a:p>
@@ -4004,10 +3939,9 @@
               <a:buNone/>
             </a:pPr>
             <a:r>
-              <a:rPr lang="en-US" sz="1200" dirty="0" smtClean="0"/>
+              <a:rPr lang="en-US" sz="1200" dirty="0"/>
               <a:t>CoC Director: Colleen Kosta</a:t>
             </a:r>
-            <a:endParaRPr lang="en-US" sz="1200" dirty="0"/>
           </a:p>
         </p:txBody>
       </p:sp>
@@ -4057,7 +3991,6 @@
           <a:lstStyle/>
           <a:p>
             <a:r>
-              <a:rPr/>
               <a:t>To Get Started in R</a:t>
             </a:r>
           </a:p>
@@ -4082,14 +4015,12 @@
               <a:buNone/>
             </a:pPr>
             <a:r>
-              <a:rPr/>
               <a:t>My three favorite ways:</a:t>
             </a:r>
           </a:p>
           <a:p>
             <a:pPr lvl="1"/>
             <a:r>
-              <a:rPr/>
               <a:t>Get </a:t>
             </a:r>
             <a:r>
@@ -4099,7 +4030,6 @@
               <a:t>R for Data Science</a:t>
             </a:r>
             <a:r>
-              <a:rPr/>
               <a:t> or access it for free online here: </a:t>
             </a:r>
             <a:r>
@@ -4112,7 +4042,6 @@
           <a:p>
             <a:pPr lvl="1"/>
             <a:r>
-              <a:rPr/>
               <a:t>Use the R package called </a:t>
             </a:r>
             <a:r>
@@ -4122,7 +4051,6 @@
               <a:t>Swirl</a:t>
             </a:r>
             <a:r>
-              <a:rPr/>
               <a:t> by going here: </a:t>
             </a:r>
             <a:r>
@@ -4132,14 +4060,12 @@
               <a:t>https://swirlstats.com/students.html</a:t>
             </a:r>
             <a:r>
-              <a:rPr/>
               <a:t> (also free)</a:t>
             </a:r>
           </a:p>
           <a:p>
             <a:pPr lvl="1"/>
             <a:r>
-              <a:rPr/>
               <a:t>R-Ladies meetups</a:t>
             </a:r>
           </a:p>
@@ -4191,7 +4117,6 @@
           <a:lstStyle/>
           <a:p>
             <a:r>
-              <a:rPr/>
               <a:t>We Can Work Together</a:t>
             </a:r>
           </a:p>
@@ -4214,32 +4139,35 @@
           <a:p>
             <a:pPr lvl="1"/>
             <a:r>
-              <a:rPr/>
+              <a:rPr dirty="0"/>
               <a:t>Most of my code is available on GitHub: </a:t>
             </a:r>
             <a:r>
-              <a:rPr>
+              <a:rPr lang="en-US" dirty="0">
                 <a:hlinkClick r:id="rId2"/>
               </a:rPr>
-              <a:t>https://github.com/kiadso</a:t>
-            </a:r>
-            <a:r>
-              <a:rPr/>
+              <a:t>https://github.com/COHHIO</a:t>
+            </a:r>
+            <a:r>
+              <a:rPr dirty="0"/>
               <a:t> You are welcome to use it to manipulate your own HMIS data (within the terms).</a:t>
             </a:r>
           </a:p>
           <a:p>
             <a:pPr lvl="1"/>
             <a:r>
-              <a:rPr/>
+              <a:rPr dirty="0"/>
               <a:t>These slides and more resources are available there as well: </a:t>
             </a:r>
             <a:r>
-              <a:rPr>
+              <a:rPr lang="en-US" dirty="0">
                 <a:hlinkClick r:id="rId3"/>
               </a:rPr>
-              <a:t>https://github.com/kiadso/rmarkdown_talk</a:t>
-            </a:r>
+              <a:t>https://github.com/COHHIO/rmarkdown_talk</a:t>
+            </a:r>
+            <a:endParaRPr dirty="0">
+              <a:hlinkClick r:id="rId4"/>
+            </a:endParaRPr>
           </a:p>
         </p:txBody>
       </p:sp>
@@ -4289,7 +4217,6 @@
           <a:lstStyle/>
           <a:p>
             <a:r>
-              <a:rPr/>
               <a:t>Questions?</a:t>
             </a:r>
           </a:p>
@@ -4447,13 +4374,8 @@
             </a:pPr>
             <a:r>
               <a:rPr dirty="0"/>
-              <a:t>Coalition on Homelessness and Housing in </a:t>
-            </a:r>
-            <a:r>
-              <a:rPr dirty="0" smtClean="0"/>
-              <a:t>Ohio</a:t>
-            </a:r>
-            <a:endParaRPr dirty="0"/>
+              <a:t>Coalition on Homelessness and Housing in Ohio</a:t>
+            </a:r>
           </a:p>
           <a:p>
             <a:pPr marL="0" indent="0">
@@ -4489,10 +4411,10 @@
               <a:t>GitHub: </a:t>
             </a:r>
             <a:r>
-              <a:rPr dirty="0" err="1" smtClean="0"/>
+              <a:rPr dirty="0" err="1"/>
               <a:t>kiadso</a:t>
             </a:r>
-            <a:endParaRPr lang="en-US" dirty="0" smtClean="0"/>
+            <a:endParaRPr lang="en-US" dirty="0"/>
           </a:p>
           <a:p>
             <a:pPr marL="0" indent="0">
@@ -4512,16 +4434,10 @@
               <a:rPr lang="en-US" sz="1200" dirty="0">
                 <a:hlinkClick r:id="rId3"/>
               </a:rPr>
-              <a:t>https://</a:t>
-            </a:r>
-            <a:r>
-              <a:rPr lang="en-US" sz="1200" dirty="0" smtClean="0">
-                <a:hlinkClick r:id="rId3"/>
-              </a:rPr>
-              <a:t>github.com/kiadso/rmarkdown_talk</a:t>
-            </a:r>
-            <a:r>
-              <a:rPr lang="en-US" sz="1200" dirty="0" smtClean="0"/>
+              <a:t>https://github.com/COHHIO/rmarkdown_talk</a:t>
+            </a:r>
+            <a:r>
+              <a:rPr lang="en-US" sz="1200" dirty="0"/>
               <a:t>  </a:t>
             </a:r>
             <a:endParaRPr sz="1200" dirty="0"/>
@@ -4611,7 +4527,6 @@
           <a:lstStyle/>
           <a:p>
             <a:r>
-              <a:rPr/>
               <a:t>Agenda</a:t>
             </a:r>
           </a:p>
@@ -4656,18 +4571,14 @@
             <a:pPr lvl="1"/>
             <a:r>
               <a:rPr dirty="0"/>
-              <a:t>What is R Markdown</a:t>
-            </a:r>
-            <a:r>
-              <a:rPr dirty="0" smtClean="0"/>
-              <a:t>?</a:t>
-            </a:r>
-            <a:endParaRPr lang="en-US" dirty="0" smtClean="0"/>
+              <a:t>What is R Markdown?</a:t>
+            </a:r>
+            <a:endParaRPr lang="en-US" dirty="0"/>
           </a:p>
           <a:p>
             <a:pPr lvl="1"/>
             <a:r>
-              <a:rPr lang="en-US" dirty="0" smtClean="0"/>
+              <a:rPr lang="en-US" dirty="0"/>
               <a:t>Demo</a:t>
             </a:r>
             <a:endParaRPr dirty="0"/>
@@ -4764,7 +4675,6 @@
           <a:lstStyle/>
           <a:p>
             <a:r>
-              <a:rPr/>
               <a:t>Workflows for Data Analysts</a:t>
             </a:r>
           </a:p>
@@ -4844,7 +4754,6 @@
           <a:lstStyle/>
           <a:p>
             <a:r>
-              <a:rPr/>
               <a:t>Our workflows are important</a:t>
             </a:r>
           </a:p>
@@ -4961,7 +4870,6 @@
           <a:lstStyle/>
           <a:p>
             <a:r>
-              <a:rPr/>
               <a:t>An Example</a:t>
             </a:r>
           </a:p>
@@ -4986,7 +4894,6 @@
               <a:buNone/>
             </a:pPr>
             <a:r>
-              <a:rPr/>
               <a:t>Analysis on how many DV survivors were served in our CoC’s projects during 2018. My theoretical year-ago workflow:</a:t>
             </a:r>
           </a:p>
@@ -4995,7 +4902,6 @@
               <a:buAutoNum type="arabicPeriod"/>
             </a:pPr>
             <a:r>
-              <a:rPr/>
               <a:t>Create custom report named “DV Analysis 2018” in HMIS, export to Excel, name it “Domestic Violence 2018”</a:t>
             </a:r>
           </a:p>
@@ -5004,7 +4910,6 @@
               <a:buAutoNum type="arabicPeriod"/>
             </a:pPr>
             <a:r>
-              <a:rPr/>
               <a:t>Rename columns, remove last row</a:t>
             </a:r>
           </a:p>
@@ -5013,7 +4918,6 @@
               <a:buAutoNum type="arabicPeriod"/>
             </a:pPr>
             <a:r>
-              <a:rPr/>
               <a:t>Import into visualization software</a:t>
             </a:r>
           </a:p>
@@ -5022,7 +4926,6 @@
               <a:buAutoNum type="arabicPeriod"/>
             </a:pPr>
             <a:r>
-              <a:rPr/>
               <a:t>Create visualization with the results</a:t>
             </a:r>
           </a:p>
@@ -5074,7 +4977,6 @@
           <a:lstStyle/>
           <a:p>
             <a:r>
-              <a:rPr/>
               <a:t>The Problem(s)</a:t>
             </a:r>
           </a:p>
@@ -5097,21 +4999,18 @@
           <a:p>
             <a:pPr lvl="1"/>
             <a:r>
-              <a:rPr/>
               <a:t>Will Future You be able to work back from the visualization to the raw data?</a:t>
             </a:r>
           </a:p>
           <a:p>
             <a:pPr lvl="1"/>
             <a:r>
-              <a:rPr/>
               <a:t>If the results of your analysis are questioned, can you explain your results without stress or difficulty?</a:t>
             </a:r>
           </a:p>
           <a:p>
             <a:pPr lvl="1"/>
             <a:r>
-              <a:rPr/>
               <a:t>A well-meaning co-worker repurposes your custom report in HMIS called “DV Analysis 2018”, renames it “DV Analysis 2019”, and modifies the logic. Could you recreate it?</a:t>
             </a:r>
           </a:p>
@@ -5163,7 +5062,6 @@
           <a:lstStyle/>
           <a:p>
             <a:r>
-              <a:rPr/>
               <a:t>What is Reproducibility?</a:t>
             </a:r>
           </a:p>
@@ -5282,7 +5180,6 @@
           <a:lstStyle/>
           <a:p>
             <a:r>
-              <a:rPr/>
               <a:t>Ways to Achieve Better Reproducibility with Current Tools</a:t>
             </a:r>
           </a:p>
@@ -5305,12 +5202,8 @@
           <a:p>
             <a:pPr lvl="1"/>
             <a:r>
-              <a:rPr dirty="0" smtClean="0"/>
-              <a:t>Document </a:t>
-            </a:r>
-            <a:r>
               <a:rPr dirty="0"/>
-              <a:t>your workflow for each visualization</a:t>
+              <a:t>Document your workflow for each visualization</a:t>
             </a:r>
           </a:p>
           <a:p>
@@ -5338,33 +5231,21 @@
             <a:pPr lvl="2"/>
             <a:r>
               <a:rPr dirty="0"/>
-              <a:t>if your data from HMIS is custom, document each action you take to create the data </a:t>
-            </a:r>
-            <a:r>
-              <a:rPr dirty="0" smtClean="0"/>
-              <a:t>export</a:t>
-            </a:r>
-            <a:endParaRPr lang="en-US" dirty="0" smtClean="0"/>
+              <a:t>if your data from HMIS is custom, document each action you take to create the data export</a:t>
+            </a:r>
+            <a:endParaRPr lang="en-US" dirty="0"/>
           </a:p>
           <a:p>
             <a:pPr lvl="1"/>
             <a:r>
-              <a:rPr lang="en-US" dirty="0" smtClean="0"/>
-              <a:t>Data </a:t>
-            </a:r>
-            <a:r>
               <a:rPr lang="en-US" dirty="0"/>
-              <a:t>from HMIS should be as raw as </a:t>
-            </a:r>
-            <a:r>
-              <a:rPr lang="en-US" dirty="0" smtClean="0"/>
-              <a:t>possible</a:t>
+              <a:t>Data from HMIS should be as raw as possible</a:t>
             </a:r>
           </a:p>
           <a:p>
             <a:pPr lvl="2"/>
             <a:r>
-              <a:rPr lang="en-US" dirty="0" smtClean="0"/>
+              <a:rPr lang="en-US" dirty="0"/>
               <a:t>Your documentation = the HUD specifications</a:t>
             </a:r>
             <a:endParaRPr dirty="0"/>
@@ -6345,24 +6226,6 @@
 </file>
 
 <file path=customXml/item1.xml><?xml version="1.0" encoding="utf-8"?>
-<?mso-contentType ?>
-<FormTemplates xmlns="http://schemas.microsoft.com/sharepoint/v3/contenttype/forms">
-  <Display>DocumentLibraryForm</Display>
-  <Edit>DocumentLibraryForm</Edit>
-  <New>DocumentLibraryForm</New>
-</FormTemplates>
-</file>
-
-<file path=customXml/item2.xml><?xml version="1.0" encoding="utf-8"?>
-<p:properties xmlns:p="http://schemas.microsoft.com/office/2006/metadata/properties" xmlns:xsi="http://www.w3.org/2001/XMLSchema-instance" xmlns:pc="http://schemas.microsoft.com/office/infopath/2007/PartnerControls">
-  <documentManagement>
-    <_Version xmlns="http://schemas.microsoft.com/sharepoint/v3/fields" xsi:nil="true"/>
-    <_Status xmlns="http://schemas.microsoft.com/sharepoint/v3/fields">Not Started</_Status>
-  </documentManagement>
-</p:properties>
-</file>
-
-<file path=customXml/item3.xml><?xml version="1.0" encoding="utf-8"?>
 <ct:contentTypeSchema xmlns:ct="http://schemas.microsoft.com/office/2006/metadata/contentType" xmlns:ma="http://schemas.microsoft.com/office/2006/metadata/properties/metaAttributes" ct:_="" ma:_="" ma:contentTypeName="Document" ma:contentTypeID="0x0101000DE64AEEDD9B7A4D93545ACBE97D4615" ma:contentTypeVersion="2" ma:contentTypeDescription="Create a new document." ma:contentTypeScope="" ma:versionID="f49002b78e3a4a71b814eef46a983816">
   <xsd:schema xmlns:xsd="http://www.w3.org/2001/XMLSchema" xmlns:xs="http://www.w3.org/2001/XMLSchema" xmlns:p="http://schemas.microsoft.com/office/2006/metadata/properties" xmlns:ns2="http://schemas.microsoft.com/sharepoint/v3/fields" targetNamespace="http://schemas.microsoft.com/office/2006/metadata/properties" ma:root="true" ma:fieldsID="38f6db2dd0d9a0cf6a8dc37be32b365b" ns2:_="">
     <xsd:import namespace="http://schemas.microsoft.com/sharepoint/v3/fields"/>
@@ -6506,10 +6369,38 @@
 </ct:contentTypeSchema>
 </file>
 
+<file path=customXml/item2.xml><?xml version="1.0" encoding="utf-8"?>
+<p:properties xmlns:p="http://schemas.microsoft.com/office/2006/metadata/properties" xmlns:xsi="http://www.w3.org/2001/XMLSchema-instance" xmlns:pc="http://schemas.microsoft.com/office/infopath/2007/PartnerControls">
+  <documentManagement>
+    <_Version xmlns="http://schemas.microsoft.com/sharepoint/v3/fields" xsi:nil="true"/>
+    <_Status xmlns="http://schemas.microsoft.com/sharepoint/v3/fields">Not Started</_Status>
+  </documentManagement>
+</p:properties>
+</file>
+
+<file path=customXml/item3.xml><?xml version="1.0" encoding="utf-8"?>
+<?mso-contentType ?>
+<FormTemplates xmlns="http://schemas.microsoft.com/sharepoint/v3/contenttype/forms">
+  <Display>DocumentLibraryForm</Display>
+  <Edit>DocumentLibraryForm</Edit>
+  <New>DocumentLibraryForm</New>
+</FormTemplates>
+</file>
+
 <file path=customXml/itemProps1.xml><?xml version="1.0" encoding="utf-8"?>
-<ds:datastoreItem xmlns:ds="http://schemas.openxmlformats.org/officeDocument/2006/customXml" ds:itemID="{87D2A1B0-FF3E-4009-940D-AED0EB70AA20}">
+<ds:datastoreItem xmlns:ds="http://schemas.openxmlformats.org/officeDocument/2006/customXml" ds:itemID="{E4214858-785C-42F7-BE66-6D0E79395FC8}">
   <ds:schemaRefs>
-    <ds:schemaRef ds:uri="http://schemas.microsoft.com/sharepoint/v3/contenttype/forms"/>
+    <ds:schemaRef ds:uri="http://schemas.microsoft.com/office/2006/metadata/contentType"/>
+    <ds:schemaRef ds:uri="http://schemas.microsoft.com/office/2006/metadata/properties/metaAttributes"/>
+    <ds:schemaRef ds:uri="http://www.w3.org/2001/XMLSchema"/>
+    <ds:schemaRef ds:uri="http://schemas.microsoft.com/office/2006/metadata/properties"/>
+    <ds:schemaRef ds:uri="http://schemas.microsoft.com/sharepoint/v3/fields"/>
+    <ds:schemaRef ds:uri="http://schemas.microsoft.com/office/2006/documentManagement/types"/>
+    <ds:schemaRef ds:uri="http://schemas.microsoft.com/office/infopath/2007/PartnerControls"/>
+    <ds:schemaRef ds:uri="http://schemas.openxmlformats.org/package/2006/metadata/core-properties"/>
+    <ds:schemaRef ds:uri="http://purl.org/dc/elements/1.1/"/>
+    <ds:schemaRef ds:uri="http://purl.org/dc/terms/"/>
+    <ds:schemaRef ds:uri="http://schemas.microsoft.com/internal/obd"/>
   </ds:schemaRefs>
 </ds:datastoreItem>
 </file>
@@ -6531,19 +6422,9 @@
 </file>
 
 <file path=customXml/itemProps3.xml><?xml version="1.0" encoding="utf-8"?>
-<ds:datastoreItem xmlns:ds="http://schemas.openxmlformats.org/officeDocument/2006/customXml" ds:itemID="{E4214858-785C-42F7-BE66-6D0E79395FC8}">
+<ds:datastoreItem xmlns:ds="http://schemas.openxmlformats.org/officeDocument/2006/customXml" ds:itemID="{87D2A1B0-FF3E-4009-940D-AED0EB70AA20}">
   <ds:schemaRefs>
-    <ds:schemaRef ds:uri="http://schemas.microsoft.com/office/2006/metadata/contentType"/>
-    <ds:schemaRef ds:uri="http://schemas.microsoft.com/office/2006/metadata/properties/metaAttributes"/>
-    <ds:schemaRef ds:uri="http://www.w3.org/2001/XMLSchema"/>
-    <ds:schemaRef ds:uri="http://schemas.microsoft.com/office/2006/metadata/properties"/>
-    <ds:schemaRef ds:uri="http://schemas.microsoft.com/sharepoint/v3/fields"/>
-    <ds:schemaRef ds:uri="http://schemas.microsoft.com/office/2006/documentManagement/types"/>
-    <ds:schemaRef ds:uri="http://schemas.microsoft.com/office/infopath/2007/PartnerControls"/>
-    <ds:schemaRef ds:uri="http://schemas.openxmlformats.org/package/2006/metadata/core-properties"/>
-    <ds:schemaRef ds:uri="http://purl.org/dc/elements/1.1/"/>
-    <ds:schemaRef ds:uri="http://purl.org/dc/terms/"/>
-    <ds:schemaRef ds:uri="http://schemas.microsoft.com/internal/obd"/>
+    <ds:schemaRef ds:uri="http://schemas.microsoft.com/sharepoint/v3/contenttype/forms"/>
   </ds:schemaRefs>
 </ds:datastoreItem>
 </file>